--- a/presentations/Numpy.pptx
+++ b/presentations/Numpy.pptx
@@ -337,7 +337,7 @@
               <a:pPr>
                 <a:defRPr/>
               </a:pPr>
-              <a:t>27/03/2021</a:t>
+              <a:t>05/04/2021</a:t>
             </a:fld>
             <a:endParaRPr lang="en-US"/>
           </a:p>
@@ -636,7 +636,7 @@
               <a:pPr>
                 <a:defRPr/>
               </a:pPr>
-              <a:t>27/03/2021</a:t>
+              <a:t>05/04/2021</a:t>
             </a:fld>
             <a:endParaRPr lang="es-ES"/>
           </a:p>
@@ -11375,7 +11375,6 @@
               <a:rPr lang="es-ES" b="1" dirty="0" smtClean="0"/>
               <a:t> of Oviedo</a:t>
             </a:r>
-            <a:endParaRPr lang="es-ES" b="1" dirty="0" smtClean="0"/>
           </a:p>
           <a:p>
             <a:pPr>
@@ -11441,11 +11440,7 @@
             </a:r>
             <a:r>
               <a:rPr lang="es-ES" dirty="0" smtClean="0"/>
-              <a:t> </a:t>
-            </a:r>
-            <a:r>
-              <a:rPr lang="es-ES" dirty="0" smtClean="0"/>
-              <a:t>2021</a:t>
+              <a:t> 2021</a:t>
             </a:r>
             <a:endParaRPr lang="es-ES" dirty="0"/>
           </a:p>
@@ -11775,8 +11770,8 @@
         </p:nvSpPr>
         <p:spPr>
           <a:xfrm>
-            <a:off x="2231232" y="4077072"/>
-            <a:ext cx="6912768" cy="923330"/>
+            <a:off x="2231232" y="4297765"/>
+            <a:ext cx="6912768" cy="369332"/>
           </a:xfrm>
           <a:prstGeom prst="rect">
             <a:avLst/>
@@ -11792,133 +11787,7 @@
               <a:rPr lang="es-ES" dirty="0" err="1">
                 <a:hlinkClick r:id="rId5"/>
               </a:rPr>
-              <a:t>computer</a:t>
-            </a:r>
-            <a:r>
-              <a:rPr lang="es-ES" dirty="0">
-                <a:hlinkClick r:id="rId5"/>
-              </a:rPr>
-              <a:t>-</a:t>
-            </a:r>
-            <a:r>
-              <a:rPr lang="es-ES" dirty="0" err="1">
-                <a:hlinkClick r:id="rId5"/>
-              </a:rPr>
-              <a:t>vision</a:t>
-            </a:r>
-            <a:r>
-              <a:rPr lang="es-ES" dirty="0">
-                <a:hlinkClick r:id="rId5"/>
-              </a:rPr>
-              <a:t>-and-</a:t>
-            </a:r>
-            <a:r>
-              <a:rPr lang="es-ES" dirty="0" err="1">
-                <a:hlinkClick r:id="rId5"/>
-              </a:rPr>
-              <a:t>deep</a:t>
-            </a:r>
-            <a:r>
-              <a:rPr lang="es-ES" dirty="0">
-                <a:hlinkClick r:id="rId5"/>
-              </a:rPr>
-              <a:t>-</a:t>
-            </a:r>
-            <a:r>
-              <a:rPr lang="es-ES" dirty="0" err="1">
-                <a:hlinkClick r:id="rId5"/>
-              </a:rPr>
-              <a:t>learning-course</a:t>
-            </a:r>
-            <a:r>
-              <a:rPr lang="es-ES" dirty="0">
-                <a:hlinkClick r:id="rId5"/>
-              </a:rPr>
-              <a:t>/</a:t>
-            </a:r>
-            <a:r>
-              <a:rPr lang="es-ES" dirty="0" err="1">
-                <a:hlinkClick r:id="rId5"/>
-              </a:rPr>
               <a:t>numpy_introduction.ipynb</a:t>
-            </a:r>
-            <a:r>
-              <a:rPr lang="es-ES" dirty="0">
-                <a:hlinkClick r:id="rId5"/>
-              </a:rPr>
-              <a:t> at </a:t>
-            </a:r>
-            <a:r>
-              <a:rPr lang="es-ES" dirty="0" err="1">
-                <a:hlinkClick r:id="rId5"/>
-              </a:rPr>
-              <a:t>main</a:t>
-            </a:r>
-            <a:r>
-              <a:rPr lang="es-ES" dirty="0">
-                <a:hlinkClick r:id="rId5"/>
-              </a:rPr>
-              <a:t> · </a:t>
-            </a:r>
-            <a:r>
-              <a:rPr lang="es-ES" dirty="0" err="1">
-                <a:hlinkClick r:id="rId5"/>
-              </a:rPr>
-              <a:t>albertofernandezvillan</a:t>
-            </a:r>
-            <a:r>
-              <a:rPr lang="es-ES" dirty="0">
-                <a:hlinkClick r:id="rId5"/>
-              </a:rPr>
-              <a:t>/</a:t>
-            </a:r>
-            <a:r>
-              <a:rPr lang="es-ES" dirty="0" err="1">
-                <a:hlinkClick r:id="rId5"/>
-              </a:rPr>
-              <a:t>computer</a:t>
-            </a:r>
-            <a:r>
-              <a:rPr lang="es-ES" dirty="0">
-                <a:hlinkClick r:id="rId5"/>
-              </a:rPr>
-              <a:t>-</a:t>
-            </a:r>
-            <a:r>
-              <a:rPr lang="es-ES" dirty="0" err="1">
-                <a:hlinkClick r:id="rId5"/>
-              </a:rPr>
-              <a:t>vision</a:t>
-            </a:r>
-            <a:r>
-              <a:rPr lang="es-ES" dirty="0">
-                <a:hlinkClick r:id="rId5"/>
-              </a:rPr>
-              <a:t>-and-</a:t>
-            </a:r>
-            <a:r>
-              <a:rPr lang="es-ES" dirty="0" err="1">
-                <a:hlinkClick r:id="rId5"/>
-              </a:rPr>
-              <a:t>deep</a:t>
-            </a:r>
-            <a:r>
-              <a:rPr lang="es-ES" dirty="0">
-                <a:hlinkClick r:id="rId5"/>
-              </a:rPr>
-              <a:t>-</a:t>
-            </a:r>
-            <a:r>
-              <a:rPr lang="es-ES" dirty="0" err="1">
-                <a:hlinkClick r:id="rId5"/>
-              </a:rPr>
-              <a:t>learning-course</a:t>
-            </a:r>
-            <a:r>
-              <a:rPr lang="es-ES" dirty="0">
-                <a:hlinkClick r:id="rId5"/>
-              </a:rPr>
-              <a:t> (github.com)</a:t>
             </a:r>
             <a:endParaRPr lang="es-ES" dirty="0"/>
           </a:p>
@@ -11970,66 +11839,12 @@
           <a:lstStyle/>
           <a:p>
             <a:r>
-              <a:rPr lang="es-ES">
+              <a:rPr lang="es-ES" dirty="0" err="1">
                 <a:hlinkClick r:id="rId7"/>
               </a:rPr>
               <a:t>numpy_introduction.ipynb</a:t>
             </a:r>
-            <a:r>
-              <a:rPr lang="es-ES" dirty="0">
-                <a:hlinkClick r:id="rId7"/>
-              </a:rPr>
-              <a:t> - </a:t>
-            </a:r>
-            <a:r>
-              <a:rPr lang="es-ES" dirty="0" err="1">
-                <a:hlinkClick r:id="rId7"/>
-              </a:rPr>
-              <a:t>Colaboratory</a:t>
-            </a:r>
-            <a:r>
-              <a:rPr lang="es-ES" dirty="0">
-                <a:hlinkClick r:id="rId7"/>
-              </a:rPr>
-              <a:t> (google.com)</a:t>
-            </a:r>
             <a:endParaRPr lang="es-ES" dirty="0"/>
-          </a:p>
-        </p:txBody>
-      </p:sp>
-      <p:sp>
-        <p:nvSpPr>
-          <p:cNvPr id="8" name="Rectángulo 7"/>
-          <p:cNvSpPr/>
-          <p:nvPr/>
-        </p:nvSpPr>
-        <p:spPr>
-          <a:xfrm>
-            <a:off x="1371600" y="3300663"/>
-            <a:ext cx="3807837" cy="369332"/>
-          </a:xfrm>
-          <a:prstGeom prst="rect">
-            <a:avLst/>
-          </a:prstGeom>
-        </p:spPr>
-        <p:txBody>
-          <a:bodyPr wrap="none">
-            <a:spAutoFit/>
-          </a:bodyPr>
-          <a:lstStyle/>
-          <a:p>
-            <a:r>
-              <a:rPr lang="es-ES" b="1" dirty="0"/>
-              <a:t>Notebook: </a:t>
-            </a:r>
-            <a:r>
-              <a:rPr lang="es-ES" b="1" dirty="0" err="1"/>
-              <a:t>numpy_introduction.ipynb</a:t>
-            </a:r>
-            <a:r>
-              <a:rPr lang="es-ES" b="1" dirty="0"/>
-              <a:t> </a:t>
-            </a:r>
           </a:p>
         </p:txBody>
       </p:sp>
@@ -14062,8 +13877,12 @@
           <a:lstStyle/>
           <a:p>
             <a:r>
-              <a:rPr lang="es-ES" dirty="0"/>
-              <a:t>Axis </a:t>
+              <a:rPr lang="es-ES" dirty="0" err="1" smtClean="0"/>
+              <a:t>Axes</a:t>
+            </a:r>
+            <a:r>
+              <a:rPr lang="es-ES" dirty="0" smtClean="0"/>
+              <a:t> </a:t>
             </a:r>
             <a:r>
               <a:rPr lang="es-ES" dirty="0" err="1"/>
@@ -14389,9 +14208,6 @@
               </a:rPr>
               <a:t>()</a:t>
             </a:r>
-            <a:endParaRPr lang="es-ES" sz="2700" dirty="0">
-              <a:latin typeface="Consolas" panose="020B0609020204030204" pitchFamily="49" charset="0"/>
-            </a:endParaRPr>
           </a:p>
         </p:txBody>
       </p:sp>
